--- a/WCMC.Normalization/inst/www/temp.pptx
+++ b/WCMC.Normalization/inst/www/temp.pptx
@@ -242,7 +242,7 @@
           <a:p>
             <a:fld id="{1CB658BD-DBEE-41B2-A6B8-BB896E4B8E7A}" type="datetimeFigureOut">
               <a:rPr lang="en-US" smtClean="0"/>
-              <a:t>2/15/2017</a:t>
+              <a:t>3/20/2017</a:t>
             </a:fld>
             <a:endParaRPr lang="en-US"/>
           </a:p>
@@ -410,7 +410,7 @@
           <a:p>
             <a:fld id="{1CB658BD-DBEE-41B2-A6B8-BB896E4B8E7A}" type="datetimeFigureOut">
               <a:rPr lang="en-US" smtClean="0"/>
-              <a:t>2/15/2017</a:t>
+              <a:t>3/20/2017</a:t>
             </a:fld>
             <a:endParaRPr lang="en-US"/>
           </a:p>
@@ -588,7 +588,7 @@
           <a:p>
             <a:fld id="{1CB658BD-DBEE-41B2-A6B8-BB896E4B8E7A}" type="datetimeFigureOut">
               <a:rPr lang="en-US" smtClean="0"/>
-              <a:t>2/15/2017</a:t>
+              <a:t>3/20/2017</a:t>
             </a:fld>
             <a:endParaRPr lang="en-US"/>
           </a:p>
@@ -756,7 +756,7 @@
           <a:p>
             <a:fld id="{1CB658BD-DBEE-41B2-A6B8-BB896E4B8E7A}" type="datetimeFigureOut">
               <a:rPr lang="en-US" smtClean="0"/>
-              <a:t>2/15/2017</a:t>
+              <a:t>3/20/2017</a:t>
             </a:fld>
             <a:endParaRPr lang="en-US"/>
           </a:p>
@@ -1001,7 +1001,7 @@
           <a:p>
             <a:fld id="{1CB658BD-DBEE-41B2-A6B8-BB896E4B8E7A}" type="datetimeFigureOut">
               <a:rPr lang="en-US" smtClean="0"/>
-              <a:t>2/15/2017</a:t>
+              <a:t>3/20/2017</a:t>
             </a:fld>
             <a:endParaRPr lang="en-US"/>
           </a:p>
@@ -1230,7 +1230,7 @@
           <a:p>
             <a:fld id="{1CB658BD-DBEE-41B2-A6B8-BB896E4B8E7A}" type="datetimeFigureOut">
               <a:rPr lang="en-US" smtClean="0"/>
-              <a:t>2/15/2017</a:t>
+              <a:t>3/20/2017</a:t>
             </a:fld>
             <a:endParaRPr lang="en-US"/>
           </a:p>
@@ -1594,7 +1594,7 @@
           <a:p>
             <a:fld id="{1CB658BD-DBEE-41B2-A6B8-BB896E4B8E7A}" type="datetimeFigureOut">
               <a:rPr lang="en-US" smtClean="0"/>
-              <a:t>2/15/2017</a:t>
+              <a:t>3/20/2017</a:t>
             </a:fld>
             <a:endParaRPr lang="en-US"/>
           </a:p>
@@ -1711,7 +1711,7 @@
           <a:p>
             <a:fld id="{1CB658BD-DBEE-41B2-A6B8-BB896E4B8E7A}" type="datetimeFigureOut">
               <a:rPr lang="en-US" smtClean="0"/>
-              <a:t>2/15/2017</a:t>
+              <a:t>3/20/2017</a:t>
             </a:fld>
             <a:endParaRPr lang="en-US"/>
           </a:p>
@@ -1806,7 +1806,7 @@
           <a:p>
             <a:fld id="{1CB658BD-DBEE-41B2-A6B8-BB896E4B8E7A}" type="datetimeFigureOut">
               <a:rPr lang="en-US" smtClean="0"/>
-              <a:t>2/15/2017</a:t>
+              <a:t>3/20/2017</a:t>
             </a:fld>
             <a:endParaRPr lang="en-US"/>
           </a:p>
@@ -2081,7 +2081,7 @@
           <a:p>
             <a:fld id="{1CB658BD-DBEE-41B2-A6B8-BB896E4B8E7A}" type="datetimeFigureOut">
               <a:rPr lang="en-US" smtClean="0"/>
-              <a:t>2/15/2017</a:t>
+              <a:t>3/20/2017</a:t>
             </a:fld>
             <a:endParaRPr lang="en-US"/>
           </a:p>
@@ -2333,7 +2333,7 @@
           <a:p>
             <a:fld id="{1CB658BD-DBEE-41B2-A6B8-BB896E4B8E7A}" type="datetimeFigureOut">
               <a:rPr lang="en-US" smtClean="0"/>
-              <a:t>2/15/2017</a:t>
+              <a:t>3/20/2017</a:t>
             </a:fld>
             <a:endParaRPr lang="en-US"/>
           </a:p>
@@ -2544,7 +2544,7 @@
           <a:p>
             <a:fld id="{1CB658BD-DBEE-41B2-A6B8-BB896E4B8E7A}" type="datetimeFigureOut">
               <a:rPr lang="en-US" smtClean="0"/>
-              <a:t>2/15/2017</a:t>
+              <a:t>3/20/2017</a:t>
             </a:fld>
             <a:endParaRPr lang="en-US"/>
           </a:p>
@@ -3277,20 +3277,22 @@
       <p:cxnSp>
         <p:nvCxnSpPr>
           <p:cNvPr id="20" name="Straight Arrow Connector 19"/>
-          <p:cNvCxnSpPr/>
+          <p:cNvCxnSpPr>
+            <a:cxnSpLocks/>
+          </p:cNvCxnSpPr>
           <p:nvPr/>
         </p:nvCxnSpPr>
         <p:spPr>
-          <a:xfrm>
-            <a:off x="3657599" y="1791475"/>
-            <a:ext cx="0" cy="311727"/>
+          <a:xfrm flipV="1">
+            <a:off x="4346837" y="4929448"/>
+            <a:ext cx="3221" cy="259772"/>
           </a:xfrm>
           <a:prstGeom prst="straightConnector1">
             <a:avLst/>
           </a:prstGeom>
           <a:ln>
             <a:solidFill>
-              <a:srgbClr val="92D050"/>
+              <a:srgbClr val="FF0000"/>
             </a:solidFill>
             <a:tailEnd type="triangle"/>
           </a:ln>
@@ -3318,7 +3320,7 @@
         </p:nvCxnSpPr>
         <p:spPr>
           <a:xfrm flipH="1" flipV="1">
-            <a:off x="8615328" y="2210924"/>
+            <a:off x="8419838" y="2873782"/>
             <a:ext cx="294083" cy="4156"/>
           </a:xfrm>
           <a:prstGeom prst="straightConnector1">
@@ -3326,7 +3328,7 @@
           </a:prstGeom>
           <a:ln>
             <a:solidFill>
-              <a:srgbClr val="92D050"/>
+              <a:srgbClr val="FF0000"/>
             </a:solidFill>
             <a:tailEnd type="triangle"/>
           </a:ln>
@@ -3354,8 +3356,8 @@
         </p:nvSpPr>
         <p:spPr>
           <a:xfrm>
-            <a:off x="3126623" y="1576031"/>
-            <a:ext cx="1061951" cy="215444"/>
+            <a:off x="4012250" y="5140045"/>
+            <a:ext cx="799443" cy="338554"/>
           </a:xfrm>
           <a:prstGeom prst="rect">
             <a:avLst/>
@@ -3369,79 +3371,718 @@
           <a:lstStyle/>
           <a:p>
             <a:r>
-              <a:rPr lang="en-US" sz="800" dirty="0">
+              <a:rPr lang="en-US" altLang="zh-CN" sz="800" dirty="0">
                 <a:solidFill>
-                  <a:srgbClr val="92D050"/>
+                  <a:srgbClr val="FF0000"/>
                 </a:solidFill>
               </a:rPr>
-              <a:t>Any compound index</a:t>
-            </a:r>
-          </a:p>
-        </p:txBody>
-      </p:sp>
-      <p:sp>
-        <p:nvSpPr>
-          <p:cNvPr id="28" name="TextBox 27"/>
-          <p:cNvSpPr txBox="1"/>
-          <p:nvPr/>
-        </p:nvSpPr>
-        <p:spPr>
-          <a:xfrm>
-            <a:off x="8857949" y="2103202"/>
-            <a:ext cx="976745" cy="215444"/>
-          </a:xfrm>
-          <a:prstGeom prst="rect">
-            <a:avLst/>
-          </a:prstGeom>
-          <a:noFill/>
-        </p:spPr>
-        <p:txBody>
-          <a:bodyPr wrap="square" rtlCol="0">
-            <a:spAutoFit/>
-          </a:bodyPr>
-          <a:lstStyle/>
-          <a:p>
-            <a:r>
-              <a:rPr lang="en-US" sz="800" dirty="0">
-                <a:solidFill>
-                  <a:srgbClr val="92D050"/>
-                </a:solidFill>
-              </a:rPr>
-              <a:t>Any sample index</a:t>
-            </a:r>
+              <a:t>Compounds label</a:t>
+            </a:r>
+            <a:endParaRPr lang="en-US" sz="800" dirty="0">
+              <a:solidFill>
+                <a:srgbClr val="FF0000"/>
+              </a:solidFill>
+            </a:endParaRPr>
           </a:p>
         </p:txBody>
       </p:sp>
       <p:pic>
         <p:nvPicPr>
-          <p:cNvPr id="6" name="Picture 5"/>
+          <p:cNvPr id="5" name="Picture 4"/>
           <p:cNvPicPr>
             <a:picLocks noChangeAspect="1"/>
           </p:cNvPicPr>
           <p:nvPr/>
         </p:nvPicPr>
         <p:blipFill>
-          <a:blip r:embed="rId4">
-            <a:extLst>
-              <a:ext uri="{28A0092B-C50C-407E-A947-70E740481C1C}">
-                <a14:useLocalDpi xmlns:a14="http://schemas.microsoft.com/office/drawing/2010/main" val="0"/>
-              </a:ext>
-            </a:extLst>
-          </a:blip>
+          <a:blip r:embed="rId4"/>
           <a:stretch>
             <a:fillRect/>
           </a:stretch>
         </p:blipFill>
         <p:spPr>
           <a:xfrm>
-            <a:off x="3377221" y="2150489"/>
-            <a:ext cx="5203665" cy="2677361"/>
+            <a:off x="3335688" y="2210924"/>
+            <a:ext cx="5044067" cy="2653135"/>
           </a:xfrm>
           <a:prstGeom prst="rect">
             <a:avLst/>
           </a:prstGeom>
         </p:spPr>
       </p:pic>
+      <p:sp>
+        <p:nvSpPr>
+          <p:cNvPr id="7" name="Rectangle 6"/>
+          <p:cNvSpPr/>
+          <p:nvPr/>
+        </p:nvSpPr>
+        <p:spPr>
+          <a:xfrm>
+            <a:off x="4148138" y="2318646"/>
+            <a:ext cx="507206" cy="167379"/>
+          </a:xfrm>
+          <a:prstGeom prst="rect">
+            <a:avLst/>
+          </a:prstGeom>
+          <a:noFill/>
+          <a:ln>
+            <a:solidFill>
+              <a:srgbClr val="0070C0"/>
+            </a:solidFill>
+            <a:prstDash val="sysDash"/>
+          </a:ln>
+        </p:spPr>
+        <p:style>
+          <a:lnRef idx="2">
+            <a:schemeClr val="accent1">
+              <a:shade val="50000"/>
+            </a:schemeClr>
+          </a:lnRef>
+          <a:fillRef idx="1">
+            <a:schemeClr val="accent1"/>
+          </a:fillRef>
+          <a:effectRef idx="0">
+            <a:schemeClr val="accent1"/>
+          </a:effectRef>
+          <a:fontRef idx="minor">
+            <a:schemeClr val="lt1"/>
+          </a:fontRef>
+        </p:style>
+        <p:txBody>
+          <a:bodyPr rtlCol="0" anchor="ctr"/>
+          <a:lstStyle/>
+          <a:p>
+            <a:pPr algn="ctr"/>
+            <a:endParaRPr lang="en-US"/>
+          </a:p>
+        </p:txBody>
+      </p:sp>
+      <p:sp>
+        <p:nvSpPr>
+          <p:cNvPr id="18" name="Rectangle 17"/>
+          <p:cNvSpPr/>
+          <p:nvPr/>
+        </p:nvSpPr>
+        <p:spPr>
+          <a:xfrm>
+            <a:off x="4148138" y="2402335"/>
+            <a:ext cx="507206" cy="167379"/>
+          </a:xfrm>
+          <a:prstGeom prst="rect">
+            <a:avLst/>
+          </a:prstGeom>
+          <a:noFill/>
+          <a:ln>
+            <a:solidFill>
+              <a:srgbClr val="00B050"/>
+            </a:solidFill>
+            <a:prstDash val="sysDash"/>
+          </a:ln>
+        </p:spPr>
+        <p:style>
+          <a:lnRef idx="2">
+            <a:schemeClr val="accent1">
+              <a:shade val="50000"/>
+            </a:schemeClr>
+          </a:lnRef>
+          <a:fillRef idx="1">
+            <a:schemeClr val="accent1"/>
+          </a:fillRef>
+          <a:effectRef idx="0">
+            <a:schemeClr val="accent1"/>
+          </a:effectRef>
+          <a:fontRef idx="minor">
+            <a:schemeClr val="lt1"/>
+          </a:fontRef>
+        </p:style>
+        <p:txBody>
+          <a:bodyPr rtlCol="0" anchor="ctr"/>
+          <a:lstStyle/>
+          <a:p>
+            <a:pPr algn="ctr"/>
+            <a:endParaRPr lang="en-US"/>
+          </a:p>
+        </p:txBody>
+      </p:sp>
+      <p:sp>
+        <p:nvSpPr>
+          <p:cNvPr id="19" name="Rectangle 18"/>
+          <p:cNvSpPr/>
+          <p:nvPr/>
+        </p:nvSpPr>
+        <p:spPr>
+          <a:xfrm>
+            <a:off x="4148138" y="2584000"/>
+            <a:ext cx="507206" cy="83689"/>
+          </a:xfrm>
+          <a:prstGeom prst="rect">
+            <a:avLst/>
+          </a:prstGeom>
+          <a:noFill/>
+          <a:ln>
+            <a:solidFill>
+              <a:srgbClr val="FFFF00"/>
+            </a:solidFill>
+            <a:prstDash val="sysDash"/>
+          </a:ln>
+        </p:spPr>
+        <p:style>
+          <a:lnRef idx="2">
+            <a:schemeClr val="accent1">
+              <a:shade val="50000"/>
+            </a:schemeClr>
+          </a:lnRef>
+          <a:fillRef idx="1">
+            <a:schemeClr val="accent1"/>
+          </a:fillRef>
+          <a:effectRef idx="0">
+            <a:schemeClr val="accent1"/>
+          </a:effectRef>
+          <a:fontRef idx="minor">
+            <a:schemeClr val="lt1"/>
+          </a:fontRef>
+        </p:style>
+        <p:txBody>
+          <a:bodyPr rtlCol="0" anchor="ctr"/>
+          <a:lstStyle/>
+          <a:p>
+            <a:pPr algn="ctr"/>
+            <a:endParaRPr lang="en-US"/>
+          </a:p>
+        </p:txBody>
+      </p:sp>
+      <p:sp>
+        <p:nvSpPr>
+          <p:cNvPr id="21" name="Rectangle 20"/>
+          <p:cNvSpPr/>
+          <p:nvPr/>
+        </p:nvSpPr>
+        <p:spPr>
+          <a:xfrm>
+            <a:off x="4148138" y="2679602"/>
+            <a:ext cx="507206" cy="75506"/>
+          </a:xfrm>
+          <a:prstGeom prst="rect">
+            <a:avLst/>
+          </a:prstGeom>
+          <a:noFill/>
+          <a:ln>
+            <a:solidFill>
+              <a:srgbClr val="FFC000"/>
+            </a:solidFill>
+            <a:prstDash val="sysDash"/>
+          </a:ln>
+        </p:spPr>
+        <p:style>
+          <a:lnRef idx="2">
+            <a:schemeClr val="accent1">
+              <a:shade val="50000"/>
+            </a:schemeClr>
+          </a:lnRef>
+          <a:fillRef idx="1">
+            <a:schemeClr val="accent1"/>
+          </a:fillRef>
+          <a:effectRef idx="0">
+            <a:schemeClr val="accent1"/>
+          </a:effectRef>
+          <a:fontRef idx="minor">
+            <a:schemeClr val="lt1"/>
+          </a:fontRef>
+        </p:style>
+        <p:txBody>
+          <a:bodyPr rtlCol="0" anchor="ctr"/>
+          <a:lstStyle/>
+          <a:p>
+            <a:pPr algn="ctr"/>
+            <a:endParaRPr lang="en-US"/>
+          </a:p>
+        </p:txBody>
+      </p:sp>
+      <p:sp>
+        <p:nvSpPr>
+          <p:cNvPr id="23" name="Rectangle 22"/>
+          <p:cNvSpPr/>
+          <p:nvPr/>
+        </p:nvSpPr>
+        <p:spPr>
+          <a:xfrm>
+            <a:off x="4148138" y="2764640"/>
+            <a:ext cx="507206" cy="75506"/>
+          </a:xfrm>
+          <a:prstGeom prst="rect">
+            <a:avLst/>
+          </a:prstGeom>
+          <a:noFill/>
+          <a:ln>
+            <a:solidFill>
+              <a:srgbClr val="C00000"/>
+            </a:solidFill>
+            <a:prstDash val="sysDash"/>
+          </a:ln>
+        </p:spPr>
+        <p:style>
+          <a:lnRef idx="2">
+            <a:schemeClr val="accent1">
+              <a:shade val="50000"/>
+            </a:schemeClr>
+          </a:lnRef>
+          <a:fillRef idx="1">
+            <a:schemeClr val="accent1"/>
+          </a:fillRef>
+          <a:effectRef idx="0">
+            <a:schemeClr val="accent1"/>
+          </a:effectRef>
+          <a:fontRef idx="minor">
+            <a:schemeClr val="lt1"/>
+          </a:fontRef>
+        </p:style>
+        <p:txBody>
+          <a:bodyPr rtlCol="0" anchor="ctr"/>
+          <a:lstStyle/>
+          <a:p>
+            <a:pPr algn="ctr"/>
+            <a:endParaRPr lang="en-US"/>
+          </a:p>
+        </p:txBody>
+      </p:sp>
+      <p:sp>
+        <p:nvSpPr>
+          <p:cNvPr id="24" name="Rectangle 23"/>
+          <p:cNvSpPr/>
+          <p:nvPr/>
+        </p:nvSpPr>
+        <p:spPr>
+          <a:xfrm>
+            <a:off x="3619501" y="2843221"/>
+            <a:ext cx="463773" cy="80954"/>
+          </a:xfrm>
+          <a:prstGeom prst="rect">
+            <a:avLst/>
+          </a:prstGeom>
+          <a:noFill/>
+          <a:ln>
+            <a:solidFill>
+              <a:srgbClr val="0070C0"/>
+            </a:solidFill>
+            <a:prstDash val="sysDash"/>
+          </a:ln>
+        </p:spPr>
+        <p:style>
+          <a:lnRef idx="2">
+            <a:schemeClr val="accent1">
+              <a:shade val="50000"/>
+            </a:schemeClr>
+          </a:lnRef>
+          <a:fillRef idx="1">
+            <a:schemeClr val="accent1"/>
+          </a:fillRef>
+          <a:effectRef idx="0">
+            <a:schemeClr val="accent1"/>
+          </a:effectRef>
+          <a:fontRef idx="minor">
+            <a:schemeClr val="lt1"/>
+          </a:fontRef>
+        </p:style>
+        <p:txBody>
+          <a:bodyPr rtlCol="0" anchor="ctr"/>
+          <a:lstStyle/>
+          <a:p>
+            <a:pPr algn="ctr"/>
+            <a:endParaRPr lang="en-US"/>
+          </a:p>
+        </p:txBody>
+      </p:sp>
+      <p:sp>
+        <p:nvSpPr>
+          <p:cNvPr id="25" name="TextBox 24"/>
+          <p:cNvSpPr txBox="1"/>
+          <p:nvPr/>
+        </p:nvSpPr>
+        <p:spPr>
+          <a:xfrm>
+            <a:off x="8675994" y="2766060"/>
+            <a:ext cx="1797857" cy="215444"/>
+          </a:xfrm>
+          <a:prstGeom prst="rect">
+            <a:avLst/>
+          </a:prstGeom>
+          <a:noFill/>
+        </p:spPr>
+        <p:txBody>
+          <a:bodyPr wrap="square" rtlCol="0">
+            <a:spAutoFit/>
+          </a:bodyPr>
+          <a:lstStyle/>
+          <a:p>
+            <a:r>
+              <a:rPr lang="en-US" altLang="zh-CN" sz="800" dirty="0">
+                <a:solidFill>
+                  <a:srgbClr val="FF0000"/>
+                </a:solidFill>
+              </a:rPr>
+              <a:t>sample label</a:t>
+            </a:r>
+            <a:endParaRPr lang="en-US" sz="800" dirty="0">
+              <a:solidFill>
+                <a:srgbClr val="FF0000"/>
+              </a:solidFill>
+            </a:endParaRPr>
+          </a:p>
+        </p:txBody>
+      </p:sp>
+      <p:cxnSp>
+        <p:nvCxnSpPr>
+          <p:cNvPr id="27" name="Straight Arrow Connector 26"/>
+          <p:cNvCxnSpPr/>
+          <p:nvPr/>
+        </p:nvCxnSpPr>
+        <p:spPr>
+          <a:xfrm flipH="1" flipV="1">
+            <a:off x="8393204" y="2252345"/>
+            <a:ext cx="294083" cy="4156"/>
+          </a:xfrm>
+          <a:prstGeom prst="straightConnector1">
+            <a:avLst/>
+          </a:prstGeom>
+          <a:ln>
+            <a:solidFill>
+              <a:srgbClr val="FF0000"/>
+            </a:solidFill>
+            <a:tailEnd type="triangle"/>
+          </a:ln>
+        </p:spPr>
+        <p:style>
+          <a:lnRef idx="1">
+            <a:schemeClr val="accent1"/>
+          </a:lnRef>
+          <a:fillRef idx="0">
+            <a:schemeClr val="accent1"/>
+          </a:fillRef>
+          <a:effectRef idx="0">
+            <a:schemeClr val="accent1"/>
+          </a:effectRef>
+          <a:fontRef idx="minor">
+            <a:schemeClr val="tx1"/>
+          </a:fontRef>
+        </p:style>
+      </p:cxnSp>
+      <p:sp>
+        <p:nvSpPr>
+          <p:cNvPr id="29" name="TextBox 28"/>
+          <p:cNvSpPr txBox="1"/>
+          <p:nvPr/>
+        </p:nvSpPr>
+        <p:spPr>
+          <a:xfrm>
+            <a:off x="2933863" y="2323742"/>
+            <a:ext cx="1797857" cy="215444"/>
+          </a:xfrm>
+          <a:prstGeom prst="rect">
+            <a:avLst/>
+          </a:prstGeom>
+          <a:noFill/>
+        </p:spPr>
+        <p:txBody>
+          <a:bodyPr wrap="square" rtlCol="0">
+            <a:spAutoFit/>
+          </a:bodyPr>
+          <a:lstStyle/>
+          <a:p>
+            <a:r>
+              <a:rPr lang="en-US" altLang="zh-CN" sz="800" dirty="0">
+                <a:solidFill>
+                  <a:srgbClr val="FF0000"/>
+                </a:solidFill>
+              </a:rPr>
+              <a:t>compounds index</a:t>
+            </a:r>
+            <a:endParaRPr lang="en-US" sz="800" dirty="0">
+              <a:solidFill>
+                <a:srgbClr val="FF0000"/>
+              </a:solidFill>
+            </a:endParaRPr>
+          </a:p>
+        </p:txBody>
+      </p:sp>
+      <p:cxnSp>
+        <p:nvCxnSpPr>
+          <p:cNvPr id="30" name="Straight Arrow Connector 29"/>
+          <p:cNvCxnSpPr>
+            <a:cxnSpLocks/>
+          </p:cNvCxnSpPr>
+          <p:nvPr/>
+        </p:nvCxnSpPr>
+        <p:spPr>
+          <a:xfrm>
+            <a:off x="3416010" y="2483137"/>
+            <a:ext cx="0" cy="306473"/>
+          </a:xfrm>
+          <a:prstGeom prst="straightConnector1">
+            <a:avLst/>
+          </a:prstGeom>
+          <a:ln>
+            <a:solidFill>
+              <a:srgbClr val="FF0000"/>
+            </a:solidFill>
+            <a:tailEnd type="triangle"/>
+          </a:ln>
+        </p:spPr>
+        <p:style>
+          <a:lnRef idx="1">
+            <a:schemeClr val="accent1"/>
+          </a:lnRef>
+          <a:fillRef idx="0">
+            <a:schemeClr val="accent1"/>
+          </a:fillRef>
+          <a:effectRef idx="0">
+            <a:schemeClr val="accent1"/>
+          </a:effectRef>
+          <a:fontRef idx="minor">
+            <a:schemeClr val="tx1"/>
+          </a:fontRef>
+        </p:style>
+      </p:cxnSp>
+      <p:sp>
+        <p:nvSpPr>
+          <p:cNvPr id="32" name="TextBox 31"/>
+          <p:cNvSpPr txBox="1"/>
+          <p:nvPr/>
+        </p:nvSpPr>
+        <p:spPr>
+          <a:xfrm>
+            <a:off x="8633090" y="2132032"/>
+            <a:ext cx="1797857" cy="215444"/>
+          </a:xfrm>
+          <a:prstGeom prst="rect">
+            <a:avLst/>
+          </a:prstGeom>
+          <a:noFill/>
+        </p:spPr>
+        <p:txBody>
+          <a:bodyPr wrap="square" rtlCol="0">
+            <a:spAutoFit/>
+          </a:bodyPr>
+          <a:lstStyle/>
+          <a:p>
+            <a:r>
+              <a:rPr lang="en-US" altLang="zh-CN" sz="800" dirty="0">
+                <a:solidFill>
+                  <a:srgbClr val="FF0000"/>
+                </a:solidFill>
+              </a:rPr>
+              <a:t>sample index</a:t>
+            </a:r>
+            <a:endParaRPr lang="en-US" sz="800" dirty="0">
+              <a:solidFill>
+                <a:srgbClr val="FF0000"/>
+              </a:solidFill>
+            </a:endParaRPr>
+          </a:p>
+        </p:txBody>
+      </p:sp>
+      <p:sp>
+        <p:nvSpPr>
+          <p:cNvPr id="33" name="Rectangle 32"/>
+          <p:cNvSpPr/>
+          <p:nvPr/>
+        </p:nvSpPr>
+        <p:spPr>
+          <a:xfrm>
+            <a:off x="4046079" y="704515"/>
+            <a:ext cx="4776541" cy="1658524"/>
+          </a:xfrm>
+          <a:prstGeom prst="rect">
+            <a:avLst/>
+          </a:prstGeom>
+          <a:noFill/>
+          <a:ln>
+            <a:noFill/>
+          </a:ln>
+        </p:spPr>
+        <p:style>
+          <a:lnRef idx="2">
+            <a:schemeClr val="accent1">
+              <a:shade val="50000"/>
+            </a:schemeClr>
+          </a:lnRef>
+          <a:fillRef idx="1">
+            <a:schemeClr val="accent1"/>
+          </a:fillRef>
+          <a:effectRef idx="0">
+            <a:schemeClr val="accent1"/>
+          </a:effectRef>
+          <a:fontRef idx="minor">
+            <a:schemeClr val="lt1"/>
+          </a:fontRef>
+        </p:style>
+        <p:txBody>
+          <a:bodyPr rtlCol="0" anchor="ctr"/>
+          <a:lstStyle/>
+          <a:p>
+            <a:r>
+              <a:rPr lang="en-US" sz="1400" dirty="0">
+                <a:solidFill>
+                  <a:srgbClr val="FF0000"/>
+                </a:solidFill>
+              </a:rPr>
+              <a:t>compounds/sample label/index: must have</a:t>
+            </a:r>
+          </a:p>
+          <a:p>
+            <a:r>
+              <a:rPr lang="en-US" sz="1400" i="1" dirty="0">
+                <a:solidFill>
+                  <a:srgbClr val="0070C0"/>
+                </a:solidFill>
+              </a:rPr>
+              <a:t>injectionOrder</a:t>
+            </a:r>
+            <a:r>
+              <a:rPr lang="en-US" sz="1400" dirty="0">
+                <a:solidFill>
+                  <a:srgbClr val="0070C0"/>
+                </a:solidFill>
+              </a:rPr>
+              <a:t> and </a:t>
+            </a:r>
+            <a:r>
+              <a:rPr lang="en-US" sz="1400" i="1" dirty="0">
+                <a:solidFill>
+                  <a:srgbClr val="0070C0"/>
+                </a:solidFill>
+              </a:rPr>
+              <a:t>QC</a:t>
+            </a:r>
+            <a:r>
+              <a:rPr lang="en-US" sz="1400" dirty="0">
+                <a:solidFill>
+                  <a:srgbClr val="0070C0"/>
+                </a:solidFill>
+              </a:rPr>
+              <a:t> :</a:t>
+            </a:r>
+            <a:r>
+              <a:rPr lang="en-US" sz="1400" dirty="0">
+                <a:solidFill>
+                  <a:srgbClr val="0070C0"/>
+                </a:solidFill>
+              </a:rPr>
+              <a:t> for loess normalization (numeric value) </a:t>
+            </a:r>
+          </a:p>
+          <a:p>
+            <a:r>
+              <a:rPr lang="en-US" sz="1400" i="1" dirty="0">
+                <a:solidFill>
+                  <a:srgbClr val="0070C0"/>
+                </a:solidFill>
+              </a:rPr>
+              <a:t>Known/Unknown</a:t>
+            </a:r>
+            <a:r>
+              <a:rPr lang="en-US" sz="1400" dirty="0">
+                <a:solidFill>
+                  <a:srgbClr val="0070C0"/>
+                </a:solidFill>
+              </a:rPr>
+              <a:t>: for mTIC normalization (TRUE/FALSE)</a:t>
+            </a:r>
+          </a:p>
+          <a:p>
+            <a:r>
+              <a:rPr lang="en-US" sz="1400" i="1" dirty="0">
+                <a:solidFill>
+                  <a:srgbClr val="00B050"/>
+                </a:solidFill>
+              </a:rPr>
+              <a:t>Batch</a:t>
+            </a:r>
+            <a:r>
+              <a:rPr lang="en-US" sz="1400" dirty="0">
+                <a:solidFill>
+                  <a:srgbClr val="00B050"/>
+                </a:solidFill>
+              </a:rPr>
+              <a:t> and </a:t>
+            </a:r>
+            <a:r>
+              <a:rPr lang="en-US" sz="1400" i="1" dirty="0">
+                <a:solidFill>
+                  <a:srgbClr val="00B050"/>
+                </a:solidFill>
+              </a:rPr>
+              <a:t>QC</a:t>
+            </a:r>
+            <a:r>
+              <a:rPr lang="en-US" sz="1400" dirty="0">
+                <a:solidFill>
+                  <a:srgbClr val="00B050"/>
+                </a:solidFill>
+              </a:rPr>
+              <a:t>: for batch normalization</a:t>
+            </a:r>
+          </a:p>
+          <a:p>
+            <a:r>
+              <a:rPr lang="en-US" sz="1400" i="1" dirty="0">
+                <a:solidFill>
+                  <a:srgbClr val="FFFF00"/>
+                </a:solidFill>
+                <a:highlight>
+                  <a:srgbClr val="C0C0C0"/>
+                </a:highlight>
+              </a:rPr>
+              <a:t>PCA_color</a:t>
+            </a:r>
+            <a:r>
+              <a:rPr lang="en-US" sz="1400" dirty="0">
+                <a:solidFill>
+                  <a:srgbClr val="FFFF00"/>
+                </a:solidFill>
+                <a:highlight>
+                  <a:srgbClr val="C0C0C0"/>
+                </a:highlight>
+              </a:rPr>
+              <a:t>: for PCA (character)</a:t>
+            </a:r>
+          </a:p>
+          <a:p>
+            <a:r>
+              <a:rPr lang="en-US" sz="1400" dirty="0" err="1">
+                <a:solidFill>
+                  <a:srgbClr val="FFC000"/>
+                </a:solidFill>
+              </a:rPr>
+              <a:t>Normality_factor</a:t>
+            </a:r>
+            <a:r>
+              <a:rPr lang="en-US" sz="1400" dirty="0">
+                <a:solidFill>
+                  <a:srgbClr val="FFC000"/>
+                </a:solidFill>
+              </a:rPr>
+              <a:t>: for normality check (character)</a:t>
+            </a:r>
+          </a:p>
+          <a:p>
+            <a:r>
+              <a:rPr lang="en-US" sz="1400" dirty="0">
+                <a:solidFill>
+                  <a:srgbClr val="C00000"/>
+                </a:solidFill>
+              </a:rPr>
+              <a:t>RSD: for calculating RSD (TRUE/FALSE)</a:t>
+            </a:r>
+          </a:p>
+          <a:p>
+            <a:endParaRPr lang="en-US" sz="1400" dirty="0">
+              <a:solidFill>
+                <a:srgbClr val="FF0000"/>
+              </a:solidFill>
+            </a:endParaRPr>
+          </a:p>
+        </p:txBody>
+      </p:sp>
     </p:spTree>
     <p:extLst>
       <p:ext uri="{BB962C8B-B14F-4D97-AF65-F5344CB8AC3E}">

--- a/WCMC.Normalization/inst/www/temp.pptx
+++ b/WCMC.Normalization/inst/www/temp.pptx
@@ -242,7 +242,7 @@
           <a:p>
             <a:fld id="{1CB658BD-DBEE-41B2-A6B8-BB896E4B8E7A}" type="datetimeFigureOut">
               <a:rPr lang="en-US" smtClean="0"/>
-              <a:t>3/20/2017</a:t>
+              <a:t>3/21/2017</a:t>
             </a:fld>
             <a:endParaRPr lang="en-US"/>
           </a:p>
@@ -410,7 +410,7 @@
           <a:p>
             <a:fld id="{1CB658BD-DBEE-41B2-A6B8-BB896E4B8E7A}" type="datetimeFigureOut">
               <a:rPr lang="en-US" smtClean="0"/>
-              <a:t>3/20/2017</a:t>
+              <a:t>3/21/2017</a:t>
             </a:fld>
             <a:endParaRPr lang="en-US"/>
           </a:p>
@@ -588,7 +588,7 @@
           <a:p>
             <a:fld id="{1CB658BD-DBEE-41B2-A6B8-BB896E4B8E7A}" type="datetimeFigureOut">
               <a:rPr lang="en-US" smtClean="0"/>
-              <a:t>3/20/2017</a:t>
+              <a:t>3/21/2017</a:t>
             </a:fld>
             <a:endParaRPr lang="en-US"/>
           </a:p>
@@ -756,7 +756,7 @@
           <a:p>
             <a:fld id="{1CB658BD-DBEE-41B2-A6B8-BB896E4B8E7A}" type="datetimeFigureOut">
               <a:rPr lang="en-US" smtClean="0"/>
-              <a:t>3/20/2017</a:t>
+              <a:t>3/21/2017</a:t>
             </a:fld>
             <a:endParaRPr lang="en-US"/>
           </a:p>
@@ -1001,7 +1001,7 @@
           <a:p>
             <a:fld id="{1CB658BD-DBEE-41B2-A6B8-BB896E4B8E7A}" type="datetimeFigureOut">
               <a:rPr lang="en-US" smtClean="0"/>
-              <a:t>3/20/2017</a:t>
+              <a:t>3/21/2017</a:t>
             </a:fld>
             <a:endParaRPr lang="en-US"/>
           </a:p>
@@ -1230,7 +1230,7 @@
           <a:p>
             <a:fld id="{1CB658BD-DBEE-41B2-A6B8-BB896E4B8E7A}" type="datetimeFigureOut">
               <a:rPr lang="en-US" smtClean="0"/>
-              <a:t>3/20/2017</a:t>
+              <a:t>3/21/2017</a:t>
             </a:fld>
             <a:endParaRPr lang="en-US"/>
           </a:p>
@@ -1594,7 +1594,7 @@
           <a:p>
             <a:fld id="{1CB658BD-DBEE-41B2-A6B8-BB896E4B8E7A}" type="datetimeFigureOut">
               <a:rPr lang="en-US" smtClean="0"/>
-              <a:t>3/20/2017</a:t>
+              <a:t>3/21/2017</a:t>
             </a:fld>
             <a:endParaRPr lang="en-US"/>
           </a:p>
@@ -1711,7 +1711,7 @@
           <a:p>
             <a:fld id="{1CB658BD-DBEE-41B2-A6B8-BB896E4B8E7A}" type="datetimeFigureOut">
               <a:rPr lang="en-US" smtClean="0"/>
-              <a:t>3/20/2017</a:t>
+              <a:t>3/21/2017</a:t>
             </a:fld>
             <a:endParaRPr lang="en-US"/>
           </a:p>
@@ -1806,7 +1806,7 @@
           <a:p>
             <a:fld id="{1CB658BD-DBEE-41B2-A6B8-BB896E4B8E7A}" type="datetimeFigureOut">
               <a:rPr lang="en-US" smtClean="0"/>
-              <a:t>3/20/2017</a:t>
+              <a:t>3/21/2017</a:t>
             </a:fld>
             <a:endParaRPr lang="en-US"/>
           </a:p>
@@ -2081,7 +2081,7 @@
           <a:p>
             <a:fld id="{1CB658BD-DBEE-41B2-A6B8-BB896E4B8E7A}" type="datetimeFigureOut">
               <a:rPr lang="en-US" smtClean="0"/>
-              <a:t>3/20/2017</a:t>
+              <a:t>3/21/2017</a:t>
             </a:fld>
             <a:endParaRPr lang="en-US"/>
           </a:p>
@@ -2333,7 +2333,7 @@
           <a:p>
             <a:fld id="{1CB658BD-DBEE-41B2-A6B8-BB896E4B8E7A}" type="datetimeFigureOut">
               <a:rPr lang="en-US" smtClean="0"/>
-              <a:t>3/20/2017</a:t>
+              <a:t>3/21/2017</a:t>
             </a:fld>
             <a:endParaRPr lang="en-US"/>
           </a:p>
@@ -2544,7 +2544,7 @@
           <a:p>
             <a:fld id="{1CB658BD-DBEE-41B2-A6B8-BB896E4B8E7A}" type="datetimeFigureOut">
               <a:rPr lang="en-US" smtClean="0"/>
-              <a:t>3/20/2017</a:t>
+              <a:t>3/21/2017</a:t>
             </a:fld>
             <a:endParaRPr lang="en-US"/>
           </a:p>
@@ -3959,15 +3959,7 @@
                   <a:srgbClr val="0070C0"/>
                 </a:solidFill>
               </a:rPr>
-              <a:t> :</a:t>
-            </a:r>
-            <a:r>
-              <a:rPr lang="en-US" sz="1400" dirty="0">
-                <a:solidFill>
-                  <a:srgbClr val="0070C0"/>
-                </a:solidFill>
-              </a:rPr>
-              <a:t> for loess normalization (numeric value) </a:t>
+              <a:t> : for loess normalization (numeric value) </a:t>
             </a:r>
           </a:p>
           <a:p>
@@ -3985,7 +3977,23 @@
                   <a:srgbClr val="0070C0"/>
                 </a:solidFill>
               </a:rPr>
-              <a:t>: for mTIC normalization (TRUE/FALSE)</a:t>
+              <a:t>: for mTIC normalization (</a:t>
+            </a:r>
+            <a:r>
+              <a:rPr lang="en-US" altLang="zh-CN" sz="1400" dirty="0">
+                <a:solidFill>
+                  <a:srgbClr val="0070C0"/>
+                </a:solidFill>
+              </a:rPr>
+              <a:t>Known</a:t>
+            </a:r>
+            <a:r>
+              <a:rPr lang="en-US" sz="1400" dirty="0">
+                <a:solidFill>
+                  <a:srgbClr val="0070C0"/>
+                </a:solidFill>
+              </a:rPr>
+              <a:t>/Unknown)</a:t>
             </a:r>
           </a:p>
           <a:p>
